--- a/python_lecture.pptx
+++ b/python_lecture.pptx
@@ -6,7 +6,7 @@
     <p:sldMasterId id="2147483696" r:id="rId2"/>
   </p:sldMasterIdLst>
   <p:notesMasterIdLst>
-    <p:notesMasterId r:id="rId12"/>
+    <p:notesMasterId r:id="rId13"/>
   </p:notesMasterIdLst>
   <p:sldIdLst>
     <p:sldId id="299" r:id="rId3"/>
@@ -18,11 +18,12 @@
     <p:sldId id="334" r:id="rId9"/>
     <p:sldId id="356" r:id="rId10"/>
     <p:sldId id="339" r:id="rId11"/>
+    <p:sldId id="365" r:id="rId12"/>
   </p:sldIdLst>
   <p:sldSz cx="12192000" cy="6858000"/>
   <p:notesSz cx="6858000" cy="9144000"/>
   <p:custDataLst>
-    <p:tags r:id="rId13"/>
+    <p:tags r:id="rId14"/>
   </p:custDataLst>
   <p:defaultTextStyle>
     <a:defPPr>
@@ -220,7 +221,7 @@
           <a:p>
             <a:fld id="{687775C7-74D8-4EB9-9F6A-1882D547BAD7}" type="datetimeFigureOut">
               <a:rPr lang="zh-CN" altLang="en-US" smtClean="0"/>
-              <a:t>2021/11/22</a:t>
+              <a:t>2021/11/27</a:t>
             </a:fld>
             <a:endParaRPr lang="zh-CN" altLang="en-US"/>
           </a:p>
@@ -1301,7 +1302,7 @@
                 </a:solidFill>
               </a:rPr>
               <a:pPr/>
-              <a:t>2021/11/22</a:t>
+              <a:t>2021/11/27</a:t>
             </a:fld>
             <a:endParaRPr lang="zh-CN" altLang="en-US">
               <a:solidFill>
@@ -1531,7 +1532,7 @@
                 </a:solidFill>
               </a:rPr>
               <a:pPr/>
-              <a:t>2021/11/22</a:t>
+              <a:t>2021/11/27</a:t>
             </a:fld>
             <a:endParaRPr lang="zh-CN" altLang="en-US">
               <a:solidFill>
@@ -3481,7 +3482,7 @@
                 <a:cs typeface="+mn-ea"/>
                 <a:sym typeface="+mn-lt"/>
               </a:rPr>
-              <a:t>2021-11-22</a:t>
+              <a:t>2021-11-26</a:t>
             </a:r>
             <a:endParaRPr lang="zh-CN" altLang="en-US" sz="1050" dirty="0">
               <a:solidFill>
@@ -3636,6 +3637,323 @@
       </p:transition>
     </mc:Fallback>
   </mc:AlternateContent>
+</p:sld>
+</file>
+
+<file path=ppt/slides/slide10.xml><?xml version="1.0" encoding="utf-8"?>
+<p:sld xmlns:a="http://schemas.openxmlformats.org/drawingml/2006/main" xmlns:r="http://schemas.openxmlformats.org/officeDocument/2006/relationships" xmlns:p="http://schemas.openxmlformats.org/presentationml/2006/main">
+  <p:cSld>
+    <p:spTree>
+      <p:nvGrpSpPr>
+        <p:cNvPr id="1" name=""/>
+        <p:cNvGrpSpPr/>
+        <p:nvPr/>
+      </p:nvGrpSpPr>
+      <p:grpSpPr>
+        <a:xfrm>
+          <a:off x="0" y="0"/>
+          <a:ext cx="0" cy="0"/>
+          <a:chOff x="0" y="0"/>
+          <a:chExt cx="0" cy="0"/>
+        </a:xfrm>
+      </p:grpSpPr>
+      <p:pic>
+        <p:nvPicPr>
+          <p:cNvPr id="1026" name="Picture 2" descr="The Lego Group Is One of the 2021 TIME100 Most Influential Companies | TIME">
+            <a:extLst>
+              <a:ext uri="{FF2B5EF4-FFF2-40B4-BE49-F238E27FC236}">
+                <a16:creationId xmlns:a16="http://schemas.microsoft.com/office/drawing/2014/main" id="{94B62A81-7CD7-4FA6-A242-A0CB2DDC984A}"/>
+              </a:ext>
+            </a:extLst>
+          </p:cNvPr>
+          <p:cNvPicPr>
+            <a:picLocks noChangeAspect="1" noChangeArrowheads="1"/>
+          </p:cNvPicPr>
+          <p:nvPr/>
+        </p:nvPicPr>
+        <p:blipFill rotWithShape="1">
+          <a:blip r:embed="rId2">
+            <a:extLst>
+              <a:ext uri="{28A0092B-C50C-407E-A947-70E740481C1C}">
+                <a14:useLocalDpi xmlns:a14="http://schemas.microsoft.com/office/drawing/2010/main" val="0"/>
+              </a:ext>
+            </a:extLst>
+          </a:blip>
+          <a:srcRect r="12385"/>
+          <a:stretch/>
+        </p:blipFill>
+        <p:spPr bwMode="auto">
+          <a:xfrm>
+            <a:off x="322894" y="2539999"/>
+            <a:ext cx="5248174" cy="3134783"/>
+          </a:xfrm>
+          <a:prstGeom prst="rect">
+            <a:avLst/>
+          </a:prstGeom>
+          <a:noFill/>
+          <a:extLst>
+            <a:ext uri="{909E8E84-426E-40DD-AFC4-6F175D3DCCD1}">
+              <a14:hiddenFill xmlns:a14="http://schemas.microsoft.com/office/drawing/2010/main">
+                <a:solidFill>
+                  <a:srgbClr val="FFFFFF"/>
+                </a:solidFill>
+              </a14:hiddenFill>
+            </a:ext>
+          </a:extLst>
+        </p:spPr>
+      </p:pic>
+      <p:pic>
+        <p:nvPicPr>
+          <p:cNvPr id="3" name="图片 2">
+            <a:extLst>
+              <a:ext uri="{FF2B5EF4-FFF2-40B4-BE49-F238E27FC236}">
+                <a16:creationId xmlns:a16="http://schemas.microsoft.com/office/drawing/2014/main" id="{B81AD9C4-9374-429A-AF9E-CAA019B681A3}"/>
+              </a:ext>
+            </a:extLst>
+          </p:cNvPr>
+          <p:cNvPicPr>
+            <a:picLocks noChangeAspect="1"/>
+          </p:cNvPicPr>
+          <p:nvPr/>
+        </p:nvPicPr>
+        <p:blipFill>
+          <a:blip r:embed="rId3"/>
+          <a:stretch>
+            <a:fillRect/>
+          </a:stretch>
+        </p:blipFill>
+        <p:spPr>
+          <a:xfrm>
+            <a:off x="322894" y="830792"/>
+            <a:ext cx="1133475" cy="1133475"/>
+          </a:xfrm>
+          <a:prstGeom prst="rect">
+            <a:avLst/>
+          </a:prstGeom>
+        </p:spPr>
+      </p:pic>
+      <p:pic>
+        <p:nvPicPr>
+          <p:cNvPr id="1028" name="Picture 4" descr="Hands on with LEGO Creator Expert 10294 Titanic, a 9,000-piece ship more  than 4 feet long [Review] - The Brothers Brick | The Brothers Brick">
+            <a:extLst>
+              <a:ext uri="{FF2B5EF4-FFF2-40B4-BE49-F238E27FC236}">
+                <a16:creationId xmlns:a16="http://schemas.microsoft.com/office/drawing/2014/main" id="{CE70C8E7-3F34-4938-8211-5564FA3F8AA8}"/>
+              </a:ext>
+            </a:extLst>
+          </p:cNvPr>
+          <p:cNvPicPr>
+            <a:picLocks noChangeAspect="1" noChangeArrowheads="1"/>
+          </p:cNvPicPr>
+          <p:nvPr/>
+        </p:nvPicPr>
+        <p:blipFill>
+          <a:blip r:embed="rId4" cstate="print">
+            <a:extLst>
+              <a:ext uri="{28A0092B-C50C-407E-A947-70E740481C1C}">
+                <a14:useLocalDpi xmlns:a14="http://schemas.microsoft.com/office/drawing/2010/main" val="0"/>
+              </a:ext>
+            </a:extLst>
+          </a:blip>
+          <a:srcRect/>
+          <a:stretch>
+            <a:fillRect/>
+          </a:stretch>
+        </p:blipFill>
+        <p:spPr bwMode="auto">
+          <a:xfrm>
+            <a:off x="6028265" y="2596835"/>
+            <a:ext cx="5773107" cy="3021109"/>
+          </a:xfrm>
+          <a:prstGeom prst="rect">
+            <a:avLst/>
+          </a:prstGeom>
+          <a:noFill/>
+          <a:extLst>
+            <a:ext uri="{909E8E84-426E-40DD-AFC4-6F175D3DCCD1}">
+              <a14:hiddenFill xmlns:a14="http://schemas.microsoft.com/office/drawing/2010/main">
+                <a:solidFill>
+                  <a:srgbClr val="FFFFFF"/>
+                </a:solidFill>
+              </a14:hiddenFill>
+            </a:ext>
+          </a:extLst>
+        </p:spPr>
+      </p:pic>
+      <p:pic>
+        <p:nvPicPr>
+          <p:cNvPr id="4" name="图片 3">
+            <a:extLst>
+              <a:ext uri="{FF2B5EF4-FFF2-40B4-BE49-F238E27FC236}">
+                <a16:creationId xmlns:a16="http://schemas.microsoft.com/office/drawing/2014/main" id="{02228C84-1A26-4DCC-A18A-5AA152462DE3}"/>
+              </a:ext>
+            </a:extLst>
+          </p:cNvPr>
+          <p:cNvPicPr>
+            <a:picLocks noChangeAspect="1"/>
+          </p:cNvPicPr>
+          <p:nvPr/>
+        </p:nvPicPr>
+        <p:blipFill>
+          <a:blip r:embed="rId5"/>
+          <a:stretch>
+            <a:fillRect/>
+          </a:stretch>
+        </p:blipFill>
+        <p:spPr>
+          <a:xfrm>
+            <a:off x="5799610" y="830792"/>
+            <a:ext cx="3235607" cy="972608"/>
+          </a:xfrm>
+          <a:prstGeom prst="rect">
+            <a:avLst/>
+          </a:prstGeom>
+        </p:spPr>
+      </p:pic>
+    </p:spTree>
+    <p:extLst>
+      <p:ext uri="{BB962C8B-B14F-4D97-AF65-F5344CB8AC3E}">
+        <p14:creationId xmlns:p14="http://schemas.microsoft.com/office/powerpoint/2010/main" val="3600866473"/>
+      </p:ext>
+    </p:extLst>
+  </p:cSld>
+  <p:clrMapOvr>
+    <a:masterClrMapping/>
+  </p:clrMapOvr>
+  <p:transition spd="slow" advTm="2000">
+    <p:wipe/>
+  </p:transition>
+  <p:timing>
+    <p:tnLst>
+      <p:par>
+        <p:cTn id="1" dur="indefinite" restart="never" nodeType="tmRoot">
+          <p:childTnLst>
+            <p:seq concurrent="1" nextAc="seek">
+              <p:cTn id="2" dur="indefinite" nodeType="mainSeq">
+                <p:childTnLst>
+                  <p:par>
+                    <p:cTn id="3" fill="hold">
+                      <p:stCondLst>
+                        <p:cond delay="indefinite"/>
+                        <p:cond evt="onBegin" delay="0">
+                          <p:tn val="2"/>
+                        </p:cond>
+                      </p:stCondLst>
+                      <p:childTnLst>
+                        <p:par>
+                          <p:cTn id="4" fill="hold">
+                            <p:stCondLst>
+                              <p:cond delay="0"/>
+                            </p:stCondLst>
+                            <p:childTnLst>
+                              <p:par>
+                                <p:cTn id="5" presetID="42" presetClass="entr" presetSubtype="0" fill="hold" nodeType="withEffect">
+                                  <p:stCondLst>
+                                    <p:cond delay="0"/>
+                                  </p:stCondLst>
+                                  <p:childTnLst>
+                                    <p:set>
+                                      <p:cBhvr>
+                                        <p:cTn id="6" dur="1" fill="hold">
+                                          <p:stCondLst>
+                                            <p:cond delay="0"/>
+                                          </p:stCondLst>
+                                        </p:cTn>
+                                        <p:tgtEl>
+                                          <p:spTgt spid="3"/>
+                                        </p:tgtEl>
+                                        <p:attrNameLst>
+                                          <p:attrName>style.visibility</p:attrName>
+                                        </p:attrNameLst>
+                                      </p:cBhvr>
+                                      <p:to>
+                                        <p:strVal val="visible"/>
+                                      </p:to>
+                                    </p:set>
+                                    <p:animEffect transition="in" filter="fade">
+                                      <p:cBhvr>
+                                        <p:cTn id="7" dur="1000"/>
+                                        <p:tgtEl>
+                                          <p:spTgt spid="3"/>
+                                        </p:tgtEl>
+                                      </p:cBhvr>
+                                    </p:animEffect>
+                                    <p:anim calcmode="lin" valueType="num">
+                                      <p:cBhvr>
+                                        <p:cTn id="8" dur="1000" fill="hold"/>
+                                        <p:tgtEl>
+                                          <p:spTgt spid="3"/>
+                                        </p:tgtEl>
+                                        <p:attrNameLst>
+                                          <p:attrName>ppt_x</p:attrName>
+                                        </p:attrNameLst>
+                                      </p:cBhvr>
+                                      <p:tavLst>
+                                        <p:tav tm="0">
+                                          <p:val>
+                                            <p:strVal val="#ppt_x"/>
+                                          </p:val>
+                                        </p:tav>
+                                        <p:tav tm="100000">
+                                          <p:val>
+                                            <p:strVal val="#ppt_x"/>
+                                          </p:val>
+                                        </p:tav>
+                                      </p:tavLst>
+                                    </p:anim>
+                                    <p:anim calcmode="lin" valueType="num">
+                                      <p:cBhvr>
+                                        <p:cTn id="9" dur="1000" fill="hold"/>
+                                        <p:tgtEl>
+                                          <p:spTgt spid="3"/>
+                                        </p:tgtEl>
+                                        <p:attrNameLst>
+                                          <p:attrName>ppt_y</p:attrName>
+                                        </p:attrNameLst>
+                                      </p:cBhvr>
+                                      <p:tavLst>
+                                        <p:tav tm="0">
+                                          <p:val>
+                                            <p:strVal val="#ppt_y+.1"/>
+                                          </p:val>
+                                        </p:tav>
+                                        <p:tav tm="100000">
+                                          <p:val>
+                                            <p:strVal val="#ppt_y"/>
+                                          </p:val>
+                                        </p:tav>
+                                      </p:tavLst>
+                                    </p:anim>
+                                  </p:childTnLst>
+                                </p:cTn>
+                              </p:par>
+                            </p:childTnLst>
+                          </p:cTn>
+                        </p:par>
+                      </p:childTnLst>
+                    </p:cTn>
+                  </p:par>
+                </p:childTnLst>
+              </p:cTn>
+              <p:prevCondLst>
+                <p:cond evt="onPrev" delay="0">
+                  <p:tgtEl>
+                    <p:sldTgt/>
+                  </p:tgtEl>
+                </p:cond>
+              </p:prevCondLst>
+              <p:nextCondLst>
+                <p:cond evt="onNext" delay="0">
+                  <p:tgtEl>
+                    <p:sldTgt/>
+                  </p:tgtEl>
+                </p:cond>
+              </p:nextCondLst>
+            </p:seq>
+          </p:childTnLst>
+        </p:cTn>
+      </p:par>
+    </p:tnLst>
+  </p:timing>
 </p:sld>
 </file>
 
@@ -9734,6 +10052,1214 @@
   <p:transition spd="slow" advClick="0" advTm="6300">
     <p:push dir="u"/>
   </p:transition>
+  <p:timing>
+    <p:tnLst>
+      <p:par>
+        <p:cTn id="1" dur="indefinite" restart="never" nodeType="tmRoot">
+          <p:childTnLst>
+            <p:seq concurrent="1" nextAc="seek">
+              <p:cTn id="2" dur="indefinite" nodeType="mainSeq">
+                <p:childTnLst>
+                  <p:par>
+                    <p:cTn id="3" fill="hold">
+                      <p:stCondLst>
+                        <p:cond delay="indefinite"/>
+                      </p:stCondLst>
+                      <p:childTnLst>
+                        <p:par>
+                          <p:cTn id="4" fill="hold">
+                            <p:stCondLst>
+                              <p:cond delay="0"/>
+                            </p:stCondLst>
+                            <p:childTnLst>
+                              <p:par>
+                                <p:cTn id="5" presetID="2" presetClass="entr" presetSubtype="4" fill="hold" nodeType="clickEffect">
+                                  <p:stCondLst>
+                                    <p:cond delay="0"/>
+                                  </p:stCondLst>
+                                  <p:childTnLst>
+                                    <p:set>
+                                      <p:cBhvr>
+                                        <p:cTn id="6" dur="1" fill="hold">
+                                          <p:stCondLst>
+                                            <p:cond delay="0"/>
+                                          </p:stCondLst>
+                                        </p:cTn>
+                                        <p:tgtEl>
+                                          <p:spTgt spid="38"/>
+                                        </p:tgtEl>
+                                        <p:attrNameLst>
+                                          <p:attrName>style.visibility</p:attrName>
+                                        </p:attrNameLst>
+                                      </p:cBhvr>
+                                      <p:to>
+                                        <p:strVal val="visible"/>
+                                      </p:to>
+                                    </p:set>
+                                    <p:anim calcmode="lin" valueType="num">
+                                      <p:cBhvr additive="base">
+                                        <p:cTn id="7" dur="500" fill="hold"/>
+                                        <p:tgtEl>
+                                          <p:spTgt spid="38"/>
+                                        </p:tgtEl>
+                                        <p:attrNameLst>
+                                          <p:attrName>ppt_x</p:attrName>
+                                        </p:attrNameLst>
+                                      </p:cBhvr>
+                                      <p:tavLst>
+                                        <p:tav tm="0">
+                                          <p:val>
+                                            <p:strVal val="#ppt_x"/>
+                                          </p:val>
+                                        </p:tav>
+                                        <p:tav tm="100000">
+                                          <p:val>
+                                            <p:strVal val="#ppt_x"/>
+                                          </p:val>
+                                        </p:tav>
+                                      </p:tavLst>
+                                    </p:anim>
+                                    <p:anim calcmode="lin" valueType="num">
+                                      <p:cBhvr additive="base">
+                                        <p:cTn id="8" dur="500" fill="hold"/>
+                                        <p:tgtEl>
+                                          <p:spTgt spid="38"/>
+                                        </p:tgtEl>
+                                        <p:attrNameLst>
+                                          <p:attrName>ppt_y</p:attrName>
+                                        </p:attrNameLst>
+                                      </p:cBhvr>
+                                      <p:tavLst>
+                                        <p:tav tm="0">
+                                          <p:val>
+                                            <p:strVal val="1+#ppt_h/2"/>
+                                          </p:val>
+                                        </p:tav>
+                                        <p:tav tm="100000">
+                                          <p:val>
+                                            <p:strVal val="#ppt_y"/>
+                                          </p:val>
+                                        </p:tav>
+                                      </p:tavLst>
+                                    </p:anim>
+                                  </p:childTnLst>
+                                </p:cTn>
+                              </p:par>
+                              <p:par>
+                                <p:cTn id="9" presetID="2" presetClass="entr" presetSubtype="4" fill="hold" nodeType="withEffect">
+                                  <p:stCondLst>
+                                    <p:cond delay="0"/>
+                                  </p:stCondLst>
+                                  <p:childTnLst>
+                                    <p:set>
+                                      <p:cBhvr>
+                                        <p:cTn id="10" dur="1" fill="hold">
+                                          <p:stCondLst>
+                                            <p:cond delay="0"/>
+                                          </p:stCondLst>
+                                        </p:cTn>
+                                        <p:tgtEl>
+                                          <p:spTgt spid="12"/>
+                                        </p:tgtEl>
+                                        <p:attrNameLst>
+                                          <p:attrName>style.visibility</p:attrName>
+                                        </p:attrNameLst>
+                                      </p:cBhvr>
+                                      <p:to>
+                                        <p:strVal val="visible"/>
+                                      </p:to>
+                                    </p:set>
+                                    <p:anim calcmode="lin" valueType="num">
+                                      <p:cBhvr additive="base">
+                                        <p:cTn id="11" dur="500" fill="hold"/>
+                                        <p:tgtEl>
+                                          <p:spTgt spid="12"/>
+                                        </p:tgtEl>
+                                        <p:attrNameLst>
+                                          <p:attrName>ppt_x</p:attrName>
+                                        </p:attrNameLst>
+                                      </p:cBhvr>
+                                      <p:tavLst>
+                                        <p:tav tm="0">
+                                          <p:val>
+                                            <p:strVal val="#ppt_x"/>
+                                          </p:val>
+                                        </p:tav>
+                                        <p:tav tm="100000">
+                                          <p:val>
+                                            <p:strVal val="#ppt_x"/>
+                                          </p:val>
+                                        </p:tav>
+                                      </p:tavLst>
+                                    </p:anim>
+                                    <p:anim calcmode="lin" valueType="num">
+                                      <p:cBhvr additive="base">
+                                        <p:cTn id="12" dur="500" fill="hold"/>
+                                        <p:tgtEl>
+                                          <p:spTgt spid="12"/>
+                                        </p:tgtEl>
+                                        <p:attrNameLst>
+                                          <p:attrName>ppt_y</p:attrName>
+                                        </p:attrNameLst>
+                                      </p:cBhvr>
+                                      <p:tavLst>
+                                        <p:tav tm="0">
+                                          <p:val>
+                                            <p:strVal val="1+#ppt_h/2"/>
+                                          </p:val>
+                                        </p:tav>
+                                        <p:tav tm="100000">
+                                          <p:val>
+                                            <p:strVal val="#ppt_y"/>
+                                          </p:val>
+                                        </p:tav>
+                                      </p:tavLst>
+                                    </p:anim>
+                                  </p:childTnLst>
+                                </p:cTn>
+                              </p:par>
+                              <p:par>
+                                <p:cTn id="13" presetID="2" presetClass="entr" presetSubtype="4" fill="hold" nodeType="withEffect">
+                                  <p:stCondLst>
+                                    <p:cond delay="0"/>
+                                  </p:stCondLst>
+                                  <p:childTnLst>
+                                    <p:set>
+                                      <p:cBhvr>
+                                        <p:cTn id="14" dur="1" fill="hold">
+                                          <p:stCondLst>
+                                            <p:cond delay="0"/>
+                                          </p:stCondLst>
+                                        </p:cTn>
+                                        <p:tgtEl>
+                                          <p:spTgt spid="9"/>
+                                        </p:tgtEl>
+                                        <p:attrNameLst>
+                                          <p:attrName>style.visibility</p:attrName>
+                                        </p:attrNameLst>
+                                      </p:cBhvr>
+                                      <p:to>
+                                        <p:strVal val="visible"/>
+                                      </p:to>
+                                    </p:set>
+                                    <p:anim calcmode="lin" valueType="num">
+                                      <p:cBhvr additive="base">
+                                        <p:cTn id="15" dur="500" fill="hold"/>
+                                        <p:tgtEl>
+                                          <p:spTgt spid="9"/>
+                                        </p:tgtEl>
+                                        <p:attrNameLst>
+                                          <p:attrName>ppt_x</p:attrName>
+                                        </p:attrNameLst>
+                                      </p:cBhvr>
+                                      <p:tavLst>
+                                        <p:tav tm="0">
+                                          <p:val>
+                                            <p:strVal val="#ppt_x"/>
+                                          </p:val>
+                                        </p:tav>
+                                        <p:tav tm="100000">
+                                          <p:val>
+                                            <p:strVal val="#ppt_x"/>
+                                          </p:val>
+                                        </p:tav>
+                                      </p:tavLst>
+                                    </p:anim>
+                                    <p:anim calcmode="lin" valueType="num">
+                                      <p:cBhvr additive="base">
+                                        <p:cTn id="16" dur="500" fill="hold"/>
+                                        <p:tgtEl>
+                                          <p:spTgt spid="9"/>
+                                        </p:tgtEl>
+                                        <p:attrNameLst>
+                                          <p:attrName>ppt_y</p:attrName>
+                                        </p:attrNameLst>
+                                      </p:cBhvr>
+                                      <p:tavLst>
+                                        <p:tav tm="0">
+                                          <p:val>
+                                            <p:strVal val="1+#ppt_h/2"/>
+                                          </p:val>
+                                        </p:tav>
+                                        <p:tav tm="100000">
+                                          <p:val>
+                                            <p:strVal val="#ppt_y"/>
+                                          </p:val>
+                                        </p:tav>
+                                      </p:tavLst>
+                                    </p:anim>
+                                  </p:childTnLst>
+                                </p:cTn>
+                              </p:par>
+                              <p:par>
+                                <p:cTn id="17" presetID="2" presetClass="entr" presetSubtype="4" fill="hold" nodeType="withEffect">
+                                  <p:stCondLst>
+                                    <p:cond delay="0"/>
+                                  </p:stCondLst>
+                                  <p:childTnLst>
+                                    <p:set>
+                                      <p:cBhvr>
+                                        <p:cTn id="18" dur="1" fill="hold">
+                                          <p:stCondLst>
+                                            <p:cond delay="0"/>
+                                          </p:stCondLst>
+                                        </p:cTn>
+                                        <p:tgtEl>
+                                          <p:spTgt spid="11"/>
+                                        </p:tgtEl>
+                                        <p:attrNameLst>
+                                          <p:attrName>style.visibility</p:attrName>
+                                        </p:attrNameLst>
+                                      </p:cBhvr>
+                                      <p:to>
+                                        <p:strVal val="visible"/>
+                                      </p:to>
+                                    </p:set>
+                                    <p:anim calcmode="lin" valueType="num">
+                                      <p:cBhvr additive="base">
+                                        <p:cTn id="19" dur="500" fill="hold"/>
+                                        <p:tgtEl>
+                                          <p:spTgt spid="11"/>
+                                        </p:tgtEl>
+                                        <p:attrNameLst>
+                                          <p:attrName>ppt_x</p:attrName>
+                                        </p:attrNameLst>
+                                      </p:cBhvr>
+                                      <p:tavLst>
+                                        <p:tav tm="0">
+                                          <p:val>
+                                            <p:strVal val="#ppt_x"/>
+                                          </p:val>
+                                        </p:tav>
+                                        <p:tav tm="100000">
+                                          <p:val>
+                                            <p:strVal val="#ppt_x"/>
+                                          </p:val>
+                                        </p:tav>
+                                      </p:tavLst>
+                                    </p:anim>
+                                    <p:anim calcmode="lin" valueType="num">
+                                      <p:cBhvr additive="base">
+                                        <p:cTn id="20" dur="500" fill="hold"/>
+                                        <p:tgtEl>
+                                          <p:spTgt spid="11"/>
+                                        </p:tgtEl>
+                                        <p:attrNameLst>
+                                          <p:attrName>ppt_y</p:attrName>
+                                        </p:attrNameLst>
+                                      </p:cBhvr>
+                                      <p:tavLst>
+                                        <p:tav tm="0">
+                                          <p:val>
+                                            <p:strVal val="1+#ppt_h/2"/>
+                                          </p:val>
+                                        </p:tav>
+                                        <p:tav tm="100000">
+                                          <p:val>
+                                            <p:strVal val="#ppt_y"/>
+                                          </p:val>
+                                        </p:tav>
+                                      </p:tavLst>
+                                    </p:anim>
+                                  </p:childTnLst>
+                                </p:cTn>
+                              </p:par>
+                              <p:par>
+                                <p:cTn id="21" presetID="2" presetClass="entr" presetSubtype="4" fill="hold" nodeType="withEffect">
+                                  <p:stCondLst>
+                                    <p:cond delay="0"/>
+                                  </p:stCondLst>
+                                  <p:childTnLst>
+                                    <p:set>
+                                      <p:cBhvr>
+                                        <p:cTn id="22" dur="1" fill="hold">
+                                          <p:stCondLst>
+                                            <p:cond delay="0"/>
+                                          </p:stCondLst>
+                                        </p:cTn>
+                                        <p:tgtEl>
+                                          <p:spTgt spid="36"/>
+                                        </p:tgtEl>
+                                        <p:attrNameLst>
+                                          <p:attrName>style.visibility</p:attrName>
+                                        </p:attrNameLst>
+                                      </p:cBhvr>
+                                      <p:to>
+                                        <p:strVal val="visible"/>
+                                      </p:to>
+                                    </p:set>
+                                    <p:anim calcmode="lin" valueType="num">
+                                      <p:cBhvr additive="base">
+                                        <p:cTn id="23" dur="500" fill="hold"/>
+                                        <p:tgtEl>
+                                          <p:spTgt spid="36"/>
+                                        </p:tgtEl>
+                                        <p:attrNameLst>
+                                          <p:attrName>ppt_x</p:attrName>
+                                        </p:attrNameLst>
+                                      </p:cBhvr>
+                                      <p:tavLst>
+                                        <p:tav tm="0">
+                                          <p:val>
+                                            <p:strVal val="#ppt_x"/>
+                                          </p:val>
+                                        </p:tav>
+                                        <p:tav tm="100000">
+                                          <p:val>
+                                            <p:strVal val="#ppt_x"/>
+                                          </p:val>
+                                        </p:tav>
+                                      </p:tavLst>
+                                    </p:anim>
+                                    <p:anim calcmode="lin" valueType="num">
+                                      <p:cBhvr additive="base">
+                                        <p:cTn id="24" dur="500" fill="hold"/>
+                                        <p:tgtEl>
+                                          <p:spTgt spid="36"/>
+                                        </p:tgtEl>
+                                        <p:attrNameLst>
+                                          <p:attrName>ppt_y</p:attrName>
+                                        </p:attrNameLst>
+                                      </p:cBhvr>
+                                      <p:tavLst>
+                                        <p:tav tm="0">
+                                          <p:val>
+                                            <p:strVal val="1+#ppt_h/2"/>
+                                          </p:val>
+                                        </p:tav>
+                                        <p:tav tm="100000">
+                                          <p:val>
+                                            <p:strVal val="#ppt_y"/>
+                                          </p:val>
+                                        </p:tav>
+                                      </p:tavLst>
+                                    </p:anim>
+                                  </p:childTnLst>
+                                </p:cTn>
+                              </p:par>
+                              <p:par>
+                                <p:cTn id="25" presetID="2" presetClass="entr" presetSubtype="4" fill="hold" nodeType="withEffect">
+                                  <p:stCondLst>
+                                    <p:cond delay="0"/>
+                                  </p:stCondLst>
+                                  <p:childTnLst>
+                                    <p:set>
+                                      <p:cBhvr>
+                                        <p:cTn id="26" dur="1" fill="hold">
+                                          <p:stCondLst>
+                                            <p:cond delay="0"/>
+                                          </p:stCondLst>
+                                        </p:cTn>
+                                        <p:tgtEl>
+                                          <p:spTgt spid="32"/>
+                                        </p:tgtEl>
+                                        <p:attrNameLst>
+                                          <p:attrName>style.visibility</p:attrName>
+                                        </p:attrNameLst>
+                                      </p:cBhvr>
+                                      <p:to>
+                                        <p:strVal val="visible"/>
+                                      </p:to>
+                                    </p:set>
+                                    <p:anim calcmode="lin" valueType="num">
+                                      <p:cBhvr additive="base">
+                                        <p:cTn id="27" dur="500" fill="hold"/>
+                                        <p:tgtEl>
+                                          <p:spTgt spid="32"/>
+                                        </p:tgtEl>
+                                        <p:attrNameLst>
+                                          <p:attrName>ppt_x</p:attrName>
+                                        </p:attrNameLst>
+                                      </p:cBhvr>
+                                      <p:tavLst>
+                                        <p:tav tm="0">
+                                          <p:val>
+                                            <p:strVal val="#ppt_x"/>
+                                          </p:val>
+                                        </p:tav>
+                                        <p:tav tm="100000">
+                                          <p:val>
+                                            <p:strVal val="#ppt_x"/>
+                                          </p:val>
+                                        </p:tav>
+                                      </p:tavLst>
+                                    </p:anim>
+                                    <p:anim calcmode="lin" valueType="num">
+                                      <p:cBhvr additive="base">
+                                        <p:cTn id="28" dur="500" fill="hold"/>
+                                        <p:tgtEl>
+                                          <p:spTgt spid="32"/>
+                                        </p:tgtEl>
+                                        <p:attrNameLst>
+                                          <p:attrName>ppt_y</p:attrName>
+                                        </p:attrNameLst>
+                                      </p:cBhvr>
+                                      <p:tavLst>
+                                        <p:tav tm="0">
+                                          <p:val>
+                                            <p:strVal val="1+#ppt_h/2"/>
+                                          </p:val>
+                                        </p:tav>
+                                        <p:tav tm="100000">
+                                          <p:val>
+                                            <p:strVal val="#ppt_y"/>
+                                          </p:val>
+                                        </p:tav>
+                                      </p:tavLst>
+                                    </p:anim>
+                                  </p:childTnLst>
+                                </p:cTn>
+                              </p:par>
+                            </p:childTnLst>
+                          </p:cTn>
+                        </p:par>
+                      </p:childTnLst>
+                    </p:cTn>
+                  </p:par>
+                  <p:par>
+                    <p:cTn id="29" fill="hold">
+                      <p:stCondLst>
+                        <p:cond delay="indefinite"/>
+                      </p:stCondLst>
+                      <p:childTnLst>
+                        <p:par>
+                          <p:cTn id="30" fill="hold">
+                            <p:stCondLst>
+                              <p:cond delay="0"/>
+                            </p:stCondLst>
+                            <p:childTnLst>
+                              <p:par>
+                                <p:cTn id="31" presetID="42" presetClass="entr" presetSubtype="0" fill="hold" nodeType="clickEffect">
+                                  <p:stCondLst>
+                                    <p:cond delay="0"/>
+                                  </p:stCondLst>
+                                  <p:childTnLst>
+                                    <p:set>
+                                      <p:cBhvr>
+                                        <p:cTn id="32" dur="1" fill="hold">
+                                          <p:stCondLst>
+                                            <p:cond delay="0"/>
+                                          </p:stCondLst>
+                                        </p:cTn>
+                                        <p:tgtEl>
+                                          <p:spTgt spid="54"/>
+                                        </p:tgtEl>
+                                        <p:attrNameLst>
+                                          <p:attrName>style.visibility</p:attrName>
+                                        </p:attrNameLst>
+                                      </p:cBhvr>
+                                      <p:to>
+                                        <p:strVal val="visible"/>
+                                      </p:to>
+                                    </p:set>
+                                    <p:animEffect transition="in" filter="fade">
+                                      <p:cBhvr>
+                                        <p:cTn id="33" dur="1000"/>
+                                        <p:tgtEl>
+                                          <p:spTgt spid="54"/>
+                                        </p:tgtEl>
+                                      </p:cBhvr>
+                                    </p:animEffect>
+                                    <p:anim calcmode="lin" valueType="num">
+                                      <p:cBhvr>
+                                        <p:cTn id="34" dur="1000" fill="hold"/>
+                                        <p:tgtEl>
+                                          <p:spTgt spid="54"/>
+                                        </p:tgtEl>
+                                        <p:attrNameLst>
+                                          <p:attrName>ppt_x</p:attrName>
+                                        </p:attrNameLst>
+                                      </p:cBhvr>
+                                      <p:tavLst>
+                                        <p:tav tm="0">
+                                          <p:val>
+                                            <p:strVal val="#ppt_x"/>
+                                          </p:val>
+                                        </p:tav>
+                                        <p:tav tm="100000">
+                                          <p:val>
+                                            <p:strVal val="#ppt_x"/>
+                                          </p:val>
+                                        </p:tav>
+                                      </p:tavLst>
+                                    </p:anim>
+                                    <p:anim calcmode="lin" valueType="num">
+                                      <p:cBhvr>
+                                        <p:cTn id="35" dur="1000" fill="hold"/>
+                                        <p:tgtEl>
+                                          <p:spTgt spid="54"/>
+                                        </p:tgtEl>
+                                        <p:attrNameLst>
+                                          <p:attrName>ppt_y</p:attrName>
+                                        </p:attrNameLst>
+                                      </p:cBhvr>
+                                      <p:tavLst>
+                                        <p:tav tm="0">
+                                          <p:val>
+                                            <p:strVal val="#ppt_y+.1"/>
+                                          </p:val>
+                                        </p:tav>
+                                        <p:tav tm="100000">
+                                          <p:val>
+                                            <p:strVal val="#ppt_y"/>
+                                          </p:val>
+                                        </p:tav>
+                                      </p:tavLst>
+                                    </p:anim>
+                                  </p:childTnLst>
+                                </p:cTn>
+                              </p:par>
+                              <p:par>
+                                <p:cTn id="36" presetID="42" presetClass="entr" presetSubtype="0" fill="hold" nodeType="withEffect">
+                                  <p:stCondLst>
+                                    <p:cond delay="0"/>
+                                  </p:stCondLst>
+                                  <p:childTnLst>
+                                    <p:set>
+                                      <p:cBhvr>
+                                        <p:cTn id="37" dur="1" fill="hold">
+                                          <p:stCondLst>
+                                            <p:cond delay="0"/>
+                                          </p:stCondLst>
+                                        </p:cTn>
+                                        <p:tgtEl>
+                                          <p:spTgt spid="55"/>
+                                        </p:tgtEl>
+                                        <p:attrNameLst>
+                                          <p:attrName>style.visibility</p:attrName>
+                                        </p:attrNameLst>
+                                      </p:cBhvr>
+                                      <p:to>
+                                        <p:strVal val="visible"/>
+                                      </p:to>
+                                    </p:set>
+                                    <p:animEffect transition="in" filter="fade">
+                                      <p:cBhvr>
+                                        <p:cTn id="38" dur="1000"/>
+                                        <p:tgtEl>
+                                          <p:spTgt spid="55"/>
+                                        </p:tgtEl>
+                                      </p:cBhvr>
+                                    </p:animEffect>
+                                    <p:anim calcmode="lin" valueType="num">
+                                      <p:cBhvr>
+                                        <p:cTn id="39" dur="1000" fill="hold"/>
+                                        <p:tgtEl>
+                                          <p:spTgt spid="55"/>
+                                        </p:tgtEl>
+                                        <p:attrNameLst>
+                                          <p:attrName>ppt_x</p:attrName>
+                                        </p:attrNameLst>
+                                      </p:cBhvr>
+                                      <p:tavLst>
+                                        <p:tav tm="0">
+                                          <p:val>
+                                            <p:strVal val="#ppt_x"/>
+                                          </p:val>
+                                        </p:tav>
+                                        <p:tav tm="100000">
+                                          <p:val>
+                                            <p:strVal val="#ppt_x"/>
+                                          </p:val>
+                                        </p:tav>
+                                      </p:tavLst>
+                                    </p:anim>
+                                    <p:anim calcmode="lin" valueType="num">
+                                      <p:cBhvr>
+                                        <p:cTn id="40" dur="1000" fill="hold"/>
+                                        <p:tgtEl>
+                                          <p:spTgt spid="55"/>
+                                        </p:tgtEl>
+                                        <p:attrNameLst>
+                                          <p:attrName>ppt_y</p:attrName>
+                                        </p:attrNameLst>
+                                      </p:cBhvr>
+                                      <p:tavLst>
+                                        <p:tav tm="0">
+                                          <p:val>
+                                            <p:strVal val="#ppt_y+.1"/>
+                                          </p:val>
+                                        </p:tav>
+                                        <p:tav tm="100000">
+                                          <p:val>
+                                            <p:strVal val="#ppt_y"/>
+                                          </p:val>
+                                        </p:tav>
+                                      </p:tavLst>
+                                    </p:anim>
+                                  </p:childTnLst>
+                                </p:cTn>
+                              </p:par>
+                              <p:par>
+                                <p:cTn id="41" presetID="42" presetClass="entr" presetSubtype="0" fill="hold" nodeType="withEffect">
+                                  <p:stCondLst>
+                                    <p:cond delay="0"/>
+                                  </p:stCondLst>
+                                  <p:childTnLst>
+                                    <p:set>
+                                      <p:cBhvr>
+                                        <p:cTn id="42" dur="1" fill="hold">
+                                          <p:stCondLst>
+                                            <p:cond delay="0"/>
+                                          </p:stCondLst>
+                                        </p:cTn>
+                                        <p:tgtEl>
+                                          <p:spTgt spid="57"/>
+                                        </p:tgtEl>
+                                        <p:attrNameLst>
+                                          <p:attrName>style.visibility</p:attrName>
+                                        </p:attrNameLst>
+                                      </p:cBhvr>
+                                      <p:to>
+                                        <p:strVal val="visible"/>
+                                      </p:to>
+                                    </p:set>
+                                    <p:animEffect transition="in" filter="fade">
+                                      <p:cBhvr>
+                                        <p:cTn id="43" dur="1000"/>
+                                        <p:tgtEl>
+                                          <p:spTgt spid="57"/>
+                                        </p:tgtEl>
+                                      </p:cBhvr>
+                                    </p:animEffect>
+                                    <p:anim calcmode="lin" valueType="num">
+                                      <p:cBhvr>
+                                        <p:cTn id="44" dur="1000" fill="hold"/>
+                                        <p:tgtEl>
+                                          <p:spTgt spid="57"/>
+                                        </p:tgtEl>
+                                        <p:attrNameLst>
+                                          <p:attrName>ppt_x</p:attrName>
+                                        </p:attrNameLst>
+                                      </p:cBhvr>
+                                      <p:tavLst>
+                                        <p:tav tm="0">
+                                          <p:val>
+                                            <p:strVal val="#ppt_x"/>
+                                          </p:val>
+                                        </p:tav>
+                                        <p:tav tm="100000">
+                                          <p:val>
+                                            <p:strVal val="#ppt_x"/>
+                                          </p:val>
+                                        </p:tav>
+                                      </p:tavLst>
+                                    </p:anim>
+                                    <p:anim calcmode="lin" valueType="num">
+                                      <p:cBhvr>
+                                        <p:cTn id="45" dur="1000" fill="hold"/>
+                                        <p:tgtEl>
+                                          <p:spTgt spid="57"/>
+                                        </p:tgtEl>
+                                        <p:attrNameLst>
+                                          <p:attrName>ppt_y</p:attrName>
+                                        </p:attrNameLst>
+                                      </p:cBhvr>
+                                      <p:tavLst>
+                                        <p:tav tm="0">
+                                          <p:val>
+                                            <p:strVal val="#ppt_y+.1"/>
+                                          </p:val>
+                                        </p:tav>
+                                        <p:tav tm="100000">
+                                          <p:val>
+                                            <p:strVal val="#ppt_y"/>
+                                          </p:val>
+                                        </p:tav>
+                                      </p:tavLst>
+                                    </p:anim>
+                                  </p:childTnLst>
+                                </p:cTn>
+                              </p:par>
+                              <p:par>
+                                <p:cTn id="46" presetID="42" presetClass="entr" presetSubtype="0" fill="hold" nodeType="withEffect">
+                                  <p:stCondLst>
+                                    <p:cond delay="0"/>
+                                  </p:stCondLst>
+                                  <p:childTnLst>
+                                    <p:set>
+                                      <p:cBhvr>
+                                        <p:cTn id="47" dur="1" fill="hold">
+                                          <p:stCondLst>
+                                            <p:cond delay="0"/>
+                                          </p:stCondLst>
+                                        </p:cTn>
+                                        <p:tgtEl>
+                                          <p:spTgt spid="59"/>
+                                        </p:tgtEl>
+                                        <p:attrNameLst>
+                                          <p:attrName>style.visibility</p:attrName>
+                                        </p:attrNameLst>
+                                      </p:cBhvr>
+                                      <p:to>
+                                        <p:strVal val="visible"/>
+                                      </p:to>
+                                    </p:set>
+                                    <p:animEffect transition="in" filter="fade">
+                                      <p:cBhvr>
+                                        <p:cTn id="48" dur="1000"/>
+                                        <p:tgtEl>
+                                          <p:spTgt spid="59"/>
+                                        </p:tgtEl>
+                                      </p:cBhvr>
+                                    </p:animEffect>
+                                    <p:anim calcmode="lin" valueType="num">
+                                      <p:cBhvr>
+                                        <p:cTn id="49" dur="1000" fill="hold"/>
+                                        <p:tgtEl>
+                                          <p:spTgt spid="59"/>
+                                        </p:tgtEl>
+                                        <p:attrNameLst>
+                                          <p:attrName>ppt_x</p:attrName>
+                                        </p:attrNameLst>
+                                      </p:cBhvr>
+                                      <p:tavLst>
+                                        <p:tav tm="0">
+                                          <p:val>
+                                            <p:strVal val="#ppt_x"/>
+                                          </p:val>
+                                        </p:tav>
+                                        <p:tav tm="100000">
+                                          <p:val>
+                                            <p:strVal val="#ppt_x"/>
+                                          </p:val>
+                                        </p:tav>
+                                      </p:tavLst>
+                                    </p:anim>
+                                    <p:anim calcmode="lin" valueType="num">
+                                      <p:cBhvr>
+                                        <p:cTn id="50" dur="1000" fill="hold"/>
+                                        <p:tgtEl>
+                                          <p:spTgt spid="59"/>
+                                        </p:tgtEl>
+                                        <p:attrNameLst>
+                                          <p:attrName>ppt_y</p:attrName>
+                                        </p:attrNameLst>
+                                      </p:cBhvr>
+                                      <p:tavLst>
+                                        <p:tav tm="0">
+                                          <p:val>
+                                            <p:strVal val="#ppt_y+.1"/>
+                                          </p:val>
+                                        </p:tav>
+                                        <p:tav tm="100000">
+                                          <p:val>
+                                            <p:strVal val="#ppt_y"/>
+                                          </p:val>
+                                        </p:tav>
+                                      </p:tavLst>
+                                    </p:anim>
+                                  </p:childTnLst>
+                                </p:cTn>
+                              </p:par>
+                              <p:par>
+                                <p:cTn id="51" presetID="42" presetClass="entr" presetSubtype="0" fill="hold" nodeType="withEffect">
+                                  <p:stCondLst>
+                                    <p:cond delay="0"/>
+                                  </p:stCondLst>
+                                  <p:childTnLst>
+                                    <p:set>
+                                      <p:cBhvr>
+                                        <p:cTn id="52" dur="1" fill="hold">
+                                          <p:stCondLst>
+                                            <p:cond delay="0"/>
+                                          </p:stCondLst>
+                                        </p:cTn>
+                                        <p:tgtEl>
+                                          <p:spTgt spid="63"/>
+                                        </p:tgtEl>
+                                        <p:attrNameLst>
+                                          <p:attrName>style.visibility</p:attrName>
+                                        </p:attrNameLst>
+                                      </p:cBhvr>
+                                      <p:to>
+                                        <p:strVal val="visible"/>
+                                      </p:to>
+                                    </p:set>
+                                    <p:animEffect transition="in" filter="fade">
+                                      <p:cBhvr>
+                                        <p:cTn id="53" dur="1000"/>
+                                        <p:tgtEl>
+                                          <p:spTgt spid="63"/>
+                                        </p:tgtEl>
+                                      </p:cBhvr>
+                                    </p:animEffect>
+                                    <p:anim calcmode="lin" valueType="num">
+                                      <p:cBhvr>
+                                        <p:cTn id="54" dur="1000" fill="hold"/>
+                                        <p:tgtEl>
+                                          <p:spTgt spid="63"/>
+                                        </p:tgtEl>
+                                        <p:attrNameLst>
+                                          <p:attrName>ppt_x</p:attrName>
+                                        </p:attrNameLst>
+                                      </p:cBhvr>
+                                      <p:tavLst>
+                                        <p:tav tm="0">
+                                          <p:val>
+                                            <p:strVal val="#ppt_x"/>
+                                          </p:val>
+                                        </p:tav>
+                                        <p:tav tm="100000">
+                                          <p:val>
+                                            <p:strVal val="#ppt_x"/>
+                                          </p:val>
+                                        </p:tav>
+                                      </p:tavLst>
+                                    </p:anim>
+                                    <p:anim calcmode="lin" valueType="num">
+                                      <p:cBhvr>
+                                        <p:cTn id="55" dur="1000" fill="hold"/>
+                                        <p:tgtEl>
+                                          <p:spTgt spid="63"/>
+                                        </p:tgtEl>
+                                        <p:attrNameLst>
+                                          <p:attrName>ppt_y</p:attrName>
+                                        </p:attrNameLst>
+                                      </p:cBhvr>
+                                      <p:tavLst>
+                                        <p:tav tm="0">
+                                          <p:val>
+                                            <p:strVal val="#ppt_y+.1"/>
+                                          </p:val>
+                                        </p:tav>
+                                        <p:tav tm="100000">
+                                          <p:val>
+                                            <p:strVal val="#ppt_y"/>
+                                          </p:val>
+                                        </p:tav>
+                                      </p:tavLst>
+                                    </p:anim>
+                                  </p:childTnLst>
+                                </p:cTn>
+                              </p:par>
+                              <p:par>
+                                <p:cTn id="56" presetID="42" presetClass="entr" presetSubtype="0" fill="hold" nodeType="withEffect">
+                                  <p:stCondLst>
+                                    <p:cond delay="0"/>
+                                  </p:stCondLst>
+                                  <p:childTnLst>
+                                    <p:set>
+                                      <p:cBhvr>
+                                        <p:cTn id="57" dur="1" fill="hold">
+                                          <p:stCondLst>
+                                            <p:cond delay="0"/>
+                                          </p:stCondLst>
+                                        </p:cTn>
+                                        <p:tgtEl>
+                                          <p:spTgt spid="67"/>
+                                        </p:tgtEl>
+                                        <p:attrNameLst>
+                                          <p:attrName>style.visibility</p:attrName>
+                                        </p:attrNameLst>
+                                      </p:cBhvr>
+                                      <p:to>
+                                        <p:strVal val="visible"/>
+                                      </p:to>
+                                    </p:set>
+                                    <p:animEffect transition="in" filter="fade">
+                                      <p:cBhvr>
+                                        <p:cTn id="58" dur="1000"/>
+                                        <p:tgtEl>
+                                          <p:spTgt spid="67"/>
+                                        </p:tgtEl>
+                                      </p:cBhvr>
+                                    </p:animEffect>
+                                    <p:anim calcmode="lin" valueType="num">
+                                      <p:cBhvr>
+                                        <p:cTn id="59" dur="1000" fill="hold"/>
+                                        <p:tgtEl>
+                                          <p:spTgt spid="67"/>
+                                        </p:tgtEl>
+                                        <p:attrNameLst>
+                                          <p:attrName>ppt_x</p:attrName>
+                                        </p:attrNameLst>
+                                      </p:cBhvr>
+                                      <p:tavLst>
+                                        <p:tav tm="0">
+                                          <p:val>
+                                            <p:strVal val="#ppt_x"/>
+                                          </p:val>
+                                        </p:tav>
+                                        <p:tav tm="100000">
+                                          <p:val>
+                                            <p:strVal val="#ppt_x"/>
+                                          </p:val>
+                                        </p:tav>
+                                      </p:tavLst>
+                                    </p:anim>
+                                    <p:anim calcmode="lin" valueType="num">
+                                      <p:cBhvr>
+                                        <p:cTn id="60" dur="1000" fill="hold"/>
+                                        <p:tgtEl>
+                                          <p:spTgt spid="67"/>
+                                        </p:tgtEl>
+                                        <p:attrNameLst>
+                                          <p:attrName>ppt_y</p:attrName>
+                                        </p:attrNameLst>
+                                      </p:cBhvr>
+                                      <p:tavLst>
+                                        <p:tav tm="0">
+                                          <p:val>
+                                            <p:strVal val="#ppt_y+.1"/>
+                                          </p:val>
+                                        </p:tav>
+                                        <p:tav tm="100000">
+                                          <p:val>
+                                            <p:strVal val="#ppt_y"/>
+                                          </p:val>
+                                        </p:tav>
+                                      </p:tavLst>
+                                    </p:anim>
+                                  </p:childTnLst>
+                                </p:cTn>
+                              </p:par>
+                              <p:par>
+                                <p:cTn id="61" presetID="42" presetClass="entr" presetSubtype="0" fill="hold" nodeType="withEffect">
+                                  <p:stCondLst>
+                                    <p:cond delay="0"/>
+                                  </p:stCondLst>
+                                  <p:childTnLst>
+                                    <p:set>
+                                      <p:cBhvr>
+                                        <p:cTn id="62" dur="1" fill="hold">
+                                          <p:stCondLst>
+                                            <p:cond delay="0"/>
+                                          </p:stCondLst>
+                                        </p:cTn>
+                                        <p:tgtEl>
+                                          <p:spTgt spid="21"/>
+                                        </p:tgtEl>
+                                        <p:attrNameLst>
+                                          <p:attrName>style.visibility</p:attrName>
+                                        </p:attrNameLst>
+                                      </p:cBhvr>
+                                      <p:to>
+                                        <p:strVal val="visible"/>
+                                      </p:to>
+                                    </p:set>
+                                    <p:animEffect transition="in" filter="fade">
+                                      <p:cBhvr>
+                                        <p:cTn id="63" dur="1000"/>
+                                        <p:tgtEl>
+                                          <p:spTgt spid="21"/>
+                                        </p:tgtEl>
+                                      </p:cBhvr>
+                                    </p:animEffect>
+                                    <p:anim calcmode="lin" valueType="num">
+                                      <p:cBhvr>
+                                        <p:cTn id="64" dur="1000" fill="hold"/>
+                                        <p:tgtEl>
+                                          <p:spTgt spid="21"/>
+                                        </p:tgtEl>
+                                        <p:attrNameLst>
+                                          <p:attrName>ppt_x</p:attrName>
+                                        </p:attrNameLst>
+                                      </p:cBhvr>
+                                      <p:tavLst>
+                                        <p:tav tm="0">
+                                          <p:val>
+                                            <p:strVal val="#ppt_x"/>
+                                          </p:val>
+                                        </p:tav>
+                                        <p:tav tm="100000">
+                                          <p:val>
+                                            <p:strVal val="#ppt_x"/>
+                                          </p:val>
+                                        </p:tav>
+                                      </p:tavLst>
+                                    </p:anim>
+                                    <p:anim calcmode="lin" valueType="num">
+                                      <p:cBhvr>
+                                        <p:cTn id="65" dur="1000" fill="hold"/>
+                                        <p:tgtEl>
+                                          <p:spTgt spid="21"/>
+                                        </p:tgtEl>
+                                        <p:attrNameLst>
+                                          <p:attrName>ppt_y</p:attrName>
+                                        </p:attrNameLst>
+                                      </p:cBhvr>
+                                      <p:tavLst>
+                                        <p:tav tm="0">
+                                          <p:val>
+                                            <p:strVal val="#ppt_y+.1"/>
+                                          </p:val>
+                                        </p:tav>
+                                        <p:tav tm="100000">
+                                          <p:val>
+                                            <p:strVal val="#ppt_y"/>
+                                          </p:val>
+                                        </p:tav>
+                                      </p:tavLst>
+                                    </p:anim>
+                                  </p:childTnLst>
+                                </p:cTn>
+                              </p:par>
+                              <p:par>
+                                <p:cTn id="66" presetID="42" presetClass="entr" presetSubtype="0" fill="hold" nodeType="withEffect">
+                                  <p:stCondLst>
+                                    <p:cond delay="0"/>
+                                  </p:stCondLst>
+                                  <p:childTnLst>
+                                    <p:set>
+                                      <p:cBhvr>
+                                        <p:cTn id="67" dur="1" fill="hold">
+                                          <p:stCondLst>
+                                            <p:cond delay="0"/>
+                                          </p:stCondLst>
+                                        </p:cTn>
+                                        <p:tgtEl>
+                                          <p:spTgt spid="71"/>
+                                        </p:tgtEl>
+                                        <p:attrNameLst>
+                                          <p:attrName>style.visibility</p:attrName>
+                                        </p:attrNameLst>
+                                      </p:cBhvr>
+                                      <p:to>
+                                        <p:strVal val="visible"/>
+                                      </p:to>
+                                    </p:set>
+                                    <p:animEffect transition="in" filter="fade">
+                                      <p:cBhvr>
+                                        <p:cTn id="68" dur="1000"/>
+                                        <p:tgtEl>
+                                          <p:spTgt spid="71"/>
+                                        </p:tgtEl>
+                                      </p:cBhvr>
+                                    </p:animEffect>
+                                    <p:anim calcmode="lin" valueType="num">
+                                      <p:cBhvr>
+                                        <p:cTn id="69" dur="1000" fill="hold"/>
+                                        <p:tgtEl>
+                                          <p:spTgt spid="71"/>
+                                        </p:tgtEl>
+                                        <p:attrNameLst>
+                                          <p:attrName>ppt_x</p:attrName>
+                                        </p:attrNameLst>
+                                      </p:cBhvr>
+                                      <p:tavLst>
+                                        <p:tav tm="0">
+                                          <p:val>
+                                            <p:strVal val="#ppt_x"/>
+                                          </p:val>
+                                        </p:tav>
+                                        <p:tav tm="100000">
+                                          <p:val>
+                                            <p:strVal val="#ppt_x"/>
+                                          </p:val>
+                                        </p:tav>
+                                      </p:tavLst>
+                                    </p:anim>
+                                    <p:anim calcmode="lin" valueType="num">
+                                      <p:cBhvr>
+                                        <p:cTn id="70" dur="1000" fill="hold"/>
+                                        <p:tgtEl>
+                                          <p:spTgt spid="71"/>
+                                        </p:tgtEl>
+                                        <p:attrNameLst>
+                                          <p:attrName>ppt_y</p:attrName>
+                                        </p:attrNameLst>
+                                      </p:cBhvr>
+                                      <p:tavLst>
+                                        <p:tav tm="0">
+                                          <p:val>
+                                            <p:strVal val="#ppt_y+.1"/>
+                                          </p:val>
+                                        </p:tav>
+                                        <p:tav tm="100000">
+                                          <p:val>
+                                            <p:strVal val="#ppt_y"/>
+                                          </p:val>
+                                        </p:tav>
+                                      </p:tavLst>
+                                    </p:anim>
+                                  </p:childTnLst>
+                                </p:cTn>
+                              </p:par>
+                            </p:childTnLst>
+                          </p:cTn>
+                        </p:par>
+                      </p:childTnLst>
+                    </p:cTn>
+                  </p:par>
+                  <p:par>
+                    <p:cTn id="71" fill="hold">
+                      <p:stCondLst>
+                        <p:cond delay="indefinite"/>
+                      </p:stCondLst>
+                      <p:childTnLst>
+                        <p:par>
+                          <p:cTn id="72" fill="hold">
+                            <p:stCondLst>
+                              <p:cond delay="0"/>
+                            </p:stCondLst>
+                            <p:childTnLst>
+                              <p:par>
+                                <p:cTn id="73" presetID="21" presetClass="entr" presetSubtype="1" fill="hold" grpId="0" nodeType="clickEffect">
+                                  <p:stCondLst>
+                                    <p:cond delay="0"/>
+                                  </p:stCondLst>
+                                  <p:childTnLst>
+                                    <p:set>
+                                      <p:cBhvr>
+                                        <p:cTn id="74" dur="1" fill="hold">
+                                          <p:stCondLst>
+                                            <p:cond delay="0"/>
+                                          </p:stCondLst>
+                                        </p:cTn>
+                                        <p:tgtEl>
+                                          <p:spTgt spid="73"/>
+                                        </p:tgtEl>
+                                        <p:attrNameLst>
+                                          <p:attrName>style.visibility</p:attrName>
+                                        </p:attrNameLst>
+                                      </p:cBhvr>
+                                      <p:to>
+                                        <p:strVal val="visible"/>
+                                      </p:to>
+                                    </p:set>
+                                    <p:animEffect transition="in" filter="wheel(1)">
+                                      <p:cBhvr>
+                                        <p:cTn id="75" dur="2000"/>
+                                        <p:tgtEl>
+                                          <p:spTgt spid="73"/>
+                                        </p:tgtEl>
+                                      </p:cBhvr>
+                                    </p:animEffect>
+                                  </p:childTnLst>
+                                </p:cTn>
+                              </p:par>
+                            </p:childTnLst>
+                          </p:cTn>
+                        </p:par>
+                      </p:childTnLst>
+                    </p:cTn>
+                  </p:par>
+                </p:childTnLst>
+              </p:cTn>
+              <p:prevCondLst>
+                <p:cond evt="onPrev" delay="0">
+                  <p:tgtEl>
+                    <p:sldTgt/>
+                  </p:tgtEl>
+                </p:cond>
+              </p:prevCondLst>
+              <p:nextCondLst>
+                <p:cond evt="onNext" delay="0">
+                  <p:tgtEl>
+                    <p:sldTgt/>
+                  </p:tgtEl>
+                </p:cond>
+              </p:nextCondLst>
+            </p:seq>
+          </p:childTnLst>
+        </p:cTn>
+      </p:par>
+    </p:tnLst>
+    <p:bldLst>
+      <p:bldP spid="73" grpId="0" animBg="1"/>
+    </p:bldLst>
+  </p:timing>
 </p:sld>
 </file>
 
